--- a/作业说明.pptx
+++ b/作业说明.pptx
@@ -4994,7 +4994,7 @@
         <p:spPr>
           <a:xfrm>
             <a:off x="1469390" y="4081780"/>
-            <a:ext cx="3383280" cy="2030095"/>
+            <a:ext cx="7040880" cy="2030095"/>
           </a:xfrm>
           <a:prstGeom prst="rect">
             <a:avLst/>
@@ -5109,15 +5109,7 @@
                 <a:ea typeface="Source Han Serif SC" panose="02020400000000000000" charset="-122"/>
                 <a:cs typeface="Source Han Serif SC" panose="02020400000000000000" charset="-122"/>
               </a:rPr>
-              <a:t>：检索出的最相似</a:t>
-            </a:r>
-            <a:r>
-              <a:rPr lang="zh-CN" altLang="en-US">
-                <a:latin typeface="Source Han Serif SC" panose="02020400000000000000" charset="-122"/>
-                <a:ea typeface="Source Han Serif SC" panose="02020400000000000000" charset="-122"/>
-                <a:cs typeface="Source Han Serif SC" panose="02020400000000000000" charset="-122"/>
-              </a:rPr>
-              <a:t>轨迹</a:t>
+              <a:t>：检索出的最相似轨迹</a:t>
             </a:r>
             <a:br>
               <a:rPr lang="zh-CN" altLang="en-US">
@@ -5157,7 +5149,7 @@
                 <a:cs typeface="Source Han Serif SC" panose="02020400000000000000" charset="-122"/>
                 <a:sym typeface="+mn-ea"/>
               </a:rPr>
-              <a:t>：评估你的</a:t>
+              <a:t>：评估你的检索效果，选取一些轨迹检索的结果</a:t>
             </a:r>
             <a:r>
               <a:rPr lang="zh-CN" altLang="en-US">
@@ -5166,12 +5158,13 @@
                 <a:cs typeface="Source Han Serif SC" panose="02020400000000000000" charset="-122"/>
                 <a:sym typeface="+mn-ea"/>
               </a:rPr>
-              <a:t>检索效果</a:t>
+              <a:t>做可视化。</a:t>
             </a:r>
             <a:endParaRPr lang="zh-CN" altLang="en-US">
               <a:latin typeface="Source Han Serif SC" panose="02020400000000000000" charset="-122"/>
               <a:ea typeface="Source Han Serif SC" panose="02020400000000000000" charset="-122"/>
               <a:cs typeface="Source Han Serif SC" panose="02020400000000000000" charset="-122"/>
+              <a:sym typeface="+mn-ea"/>
             </a:endParaRPr>
           </a:p>
         </p:txBody>
@@ -5328,7 +5321,7 @@
         </p:nvSpPr>
         <p:spPr>
           <a:xfrm>
-            <a:off x="5631815" y="5759450"/>
+            <a:off x="8382635" y="5743575"/>
             <a:ext cx="1192530" cy="368300"/>
           </a:xfrm>
           <a:prstGeom prst="rect">

--- a/作业说明.pptx
+++ b/作业说明.pptx
@@ -3879,7 +3879,7 @@
         <p:spPr>
           <a:xfrm>
             <a:off x="499110" y="1127760"/>
-            <a:ext cx="10698480" cy="368300"/>
+            <a:ext cx="10701020" cy="368300"/>
           </a:xfrm>
           <a:prstGeom prst="rect">
             <a:avLst/>
@@ -3903,7 +3903,14 @@
                 <a:latin typeface="Times New Roman Regular" panose="02020603050405020304" charset="0"/>
                 <a:ea typeface="Source Han Serif SC Regular" panose="02020400000000000000" charset="-122"/>
               </a:rPr>
-              <a:t>：利用数据挖掘课程学习到的聚类、分类、回归等技术，结合北京交通轨迹数据，挖掘交通出行规律</a:t>
+              <a:t>：利用数据挖掘课程学习到的聚类、分类、回归等技术，结合</a:t>
+            </a:r>
+            <a:r>
+              <a:rPr lang="zh-CN" altLang="en-US">
+                <a:latin typeface="Times New Roman Regular" panose="02020603050405020304" charset="0"/>
+                <a:ea typeface="Source Han Serif SC Regular" panose="02020400000000000000" charset="-122"/>
+              </a:rPr>
+              <a:t>成都交通轨迹数据，挖掘交通出行规律</a:t>
             </a:r>
             <a:endParaRPr lang="zh-CN" altLang="en-US">
               <a:latin typeface="Times New Roman Regular" panose="02020603050405020304" charset="0"/>
@@ -5572,7 +5579,7 @@
         <p:spPr>
           <a:xfrm>
             <a:off x="1469390" y="1759585"/>
-            <a:ext cx="9104630" cy="2306955"/>
+            <a:ext cx="9098280" cy="2030095"/>
           </a:xfrm>
           <a:prstGeom prst="rect">
             <a:avLst/>
@@ -5625,14 +5632,6 @@
           </a:p>
           <a:p>
             <a:pPr algn="l"/>
-            <a:endParaRPr lang="zh-CN" altLang="en-US">
-              <a:latin typeface="Source Han Serif SC" panose="02020400000000000000" charset="-122"/>
-              <a:ea typeface="Source Han Serif SC" panose="02020400000000000000" charset="-122"/>
-              <a:cs typeface="Source Han Serif SC" panose="02020400000000000000" charset="-122"/>
-            </a:endParaRPr>
-          </a:p>
-          <a:p>
-            <a:pPr algn="l"/>
             <a:r>
               <a:rPr lang="en-US" altLang="zh-CN">
                 <a:latin typeface="Source Han Serif SC" panose="02020400000000000000" charset="-122"/>
@@ -5805,7 +5804,7 @@
         </p:nvSpPr>
         <p:spPr>
           <a:xfrm>
-            <a:off x="10318750" y="2729230"/>
+            <a:off x="10318750" y="2312670"/>
             <a:ext cx="1315720" cy="368300"/>
           </a:xfrm>
           <a:prstGeom prst="rect">
@@ -5841,7 +5840,7 @@
         </p:nvSpPr>
         <p:spPr>
           <a:xfrm>
-            <a:off x="10318750" y="3285490"/>
+            <a:off x="10271760" y="2799080"/>
             <a:ext cx="1315720" cy="368300"/>
           </a:xfrm>
           <a:prstGeom prst="rect">
@@ -5877,7 +5876,7 @@
         </p:nvSpPr>
         <p:spPr>
           <a:xfrm>
-            <a:off x="10318750" y="3841750"/>
+            <a:off x="10394950" y="3421380"/>
             <a:ext cx="1192530" cy="368300"/>
           </a:xfrm>
           <a:prstGeom prst="rect">
